--- a/pres/03-science-tools.pptx
+++ b/pres/03-science-tools.pptx
@@ -269,7 +269,7 @@
           <a:p>
             <a:fld id="{3521AB7C-0043-444B-861B-51E269CBBF01}" type="datetimeFigureOut">
               <a:rPr lang="en-GB" smtClean="0"/>
-              <a:t>23/09/2019</a:t>
+              <a:t>24/09/2019</a:t>
             </a:fld>
             <a:endParaRPr lang="en-GB"/>
           </a:p>
@@ -469,7 +469,7 @@
           <a:p>
             <a:fld id="{3521AB7C-0043-444B-861B-51E269CBBF01}" type="datetimeFigureOut">
               <a:rPr lang="en-GB" smtClean="0"/>
-              <a:t>23/09/2019</a:t>
+              <a:t>24/09/2019</a:t>
             </a:fld>
             <a:endParaRPr lang="en-GB"/>
           </a:p>
@@ -679,7 +679,7 @@
           <a:p>
             <a:fld id="{3521AB7C-0043-444B-861B-51E269CBBF01}" type="datetimeFigureOut">
               <a:rPr lang="en-GB" smtClean="0"/>
-              <a:t>23/09/2019</a:t>
+              <a:t>24/09/2019</a:t>
             </a:fld>
             <a:endParaRPr lang="en-GB"/>
           </a:p>
@@ -879,7 +879,7 @@
           <a:p>
             <a:fld id="{3521AB7C-0043-444B-861B-51E269CBBF01}" type="datetimeFigureOut">
               <a:rPr lang="en-GB" smtClean="0"/>
-              <a:t>23/09/2019</a:t>
+              <a:t>24/09/2019</a:t>
             </a:fld>
             <a:endParaRPr lang="en-GB"/>
           </a:p>
@@ -1155,7 +1155,7 @@
           <a:p>
             <a:fld id="{3521AB7C-0043-444B-861B-51E269CBBF01}" type="datetimeFigureOut">
               <a:rPr lang="en-GB" smtClean="0"/>
-              <a:t>23/09/2019</a:t>
+              <a:t>24/09/2019</a:t>
             </a:fld>
             <a:endParaRPr lang="en-GB"/>
           </a:p>
@@ -1423,7 +1423,7 @@
           <a:p>
             <a:fld id="{3521AB7C-0043-444B-861B-51E269CBBF01}" type="datetimeFigureOut">
               <a:rPr lang="en-GB" smtClean="0"/>
-              <a:t>23/09/2019</a:t>
+              <a:t>24/09/2019</a:t>
             </a:fld>
             <a:endParaRPr lang="en-GB"/>
           </a:p>
@@ -1838,7 +1838,7 @@
           <a:p>
             <a:fld id="{3521AB7C-0043-444B-861B-51E269CBBF01}" type="datetimeFigureOut">
               <a:rPr lang="en-GB" smtClean="0"/>
-              <a:t>23/09/2019</a:t>
+              <a:t>24/09/2019</a:t>
             </a:fld>
             <a:endParaRPr lang="en-GB"/>
           </a:p>
@@ -1980,7 +1980,7 @@
           <a:p>
             <a:fld id="{3521AB7C-0043-444B-861B-51E269CBBF01}" type="datetimeFigureOut">
               <a:rPr lang="en-GB" smtClean="0"/>
-              <a:t>23/09/2019</a:t>
+              <a:t>24/09/2019</a:t>
             </a:fld>
             <a:endParaRPr lang="en-GB"/>
           </a:p>
@@ -2093,7 +2093,7 @@
           <a:p>
             <a:fld id="{3521AB7C-0043-444B-861B-51E269CBBF01}" type="datetimeFigureOut">
               <a:rPr lang="en-GB" smtClean="0"/>
-              <a:t>23/09/2019</a:t>
+              <a:t>24/09/2019</a:t>
             </a:fld>
             <a:endParaRPr lang="en-GB"/>
           </a:p>
@@ -2406,7 +2406,7 @@
           <a:p>
             <a:fld id="{3521AB7C-0043-444B-861B-51E269CBBF01}" type="datetimeFigureOut">
               <a:rPr lang="en-GB" smtClean="0"/>
-              <a:t>23/09/2019</a:t>
+              <a:t>24/09/2019</a:t>
             </a:fld>
             <a:endParaRPr lang="en-GB"/>
           </a:p>
@@ -2695,7 +2695,7 @@
           <a:p>
             <a:fld id="{3521AB7C-0043-444B-861B-51E269CBBF01}" type="datetimeFigureOut">
               <a:rPr lang="en-GB" smtClean="0"/>
-              <a:t>23/09/2019</a:t>
+              <a:t>24/09/2019</a:t>
             </a:fld>
             <a:endParaRPr lang="en-GB"/>
           </a:p>
@@ -2938,7 +2938,7 @@
           <a:p>
             <a:fld id="{3521AB7C-0043-444B-861B-51E269CBBF01}" type="datetimeFigureOut">
               <a:rPr lang="en-GB" smtClean="0"/>
-              <a:t>23/09/2019</a:t>
+              <a:t>24/09/2019</a:t>
             </a:fld>
             <a:endParaRPr lang="en-GB"/>
           </a:p>
@@ -3436,7 +3436,7 @@
           <a:lstStyle/>
           <a:p>
             <a:r>
-              <a:rPr lang="en-US" dirty="0" smtClean="0"/>
+              <a:rPr lang="en-US" dirty="0"/>
               <a:t>Making Tools for Science</a:t>
             </a:r>
             <a:endParaRPr lang="en-GB" dirty="0"/>
@@ -3489,7 +3489,7 @@
                 <a:hlinkClick r:id="rId2">
                   <a:extLst>
                     <a:ext uri="{A12FA001-AC4F-418D-AE19-62706E023703}">
-                      <ahyp:hlinkClr xmlns="" xmlns:ahyp="http://schemas.microsoft.com/office/drawing/2018/hyperlinkcolor" val="tx"/>
+                      <ahyp:hlinkClr xmlns:ahyp="http://schemas.microsoft.com/office/drawing/2018/hyperlinkcolor" val="tx"/>
                     </a:ext>
                   </a:extLst>
                 </a:hlinkClick>
@@ -3514,13 +3514,6 @@
   <p:clrMapOvr>
     <a:masterClrMapping/>
   </p:clrMapOvr>
-  <p:timing>
-    <p:tnLst>
-      <p:par>
-        <p:cTn id="1" dur="indefinite" restart="never" nodeType="tmRoot"/>
-      </p:par>
-    </p:tnLst>
-  </p:timing>
 </p:sld>
 </file>
 
@@ -3576,11 +3569,7 @@
           <a:p>
             <a:r>
               <a:rPr lang="en-US" sz="5400" dirty="0"/>
-              <a:t>    </a:t>
-            </a:r>
-            <a:r>
-              <a:rPr lang="en-US" sz="5400" dirty="0" smtClean="0"/>
-              <a:t>Reactivity</a:t>
+              <a:t>    Reactivity</a:t>
             </a:r>
             <a:endParaRPr lang="en-GB" sz="5400" dirty="0"/>
           </a:p>
@@ -3615,17 +3604,15 @@
           <a:lstStyle/>
           <a:p>
             <a:r>
-              <a:rPr lang="en-US" dirty="0" smtClean="0"/>
+              <a:rPr lang="en-US" dirty="0"/>
               <a:t>UI is mostly static html</a:t>
             </a:r>
-            <a:endParaRPr lang="en-US" dirty="0"/>
-          </a:p>
-          <a:p>
-            <a:r>
-              <a:rPr lang="en-GB" dirty="0" smtClean="0"/>
+          </a:p>
+          <a:p>
+            <a:r>
+              <a:rPr lang="en-GB" dirty="0"/>
               <a:t>Sometimes we want to change the UI in response to user input (or processes in server)</a:t>
             </a:r>
-            <a:endParaRPr lang="en-GB" dirty="0"/>
           </a:p>
         </p:txBody>
       </p:sp>
@@ -3677,7 +3664,7 @@
           </a:lstStyle>
           <a:p>
             <a:r>
-              <a:rPr lang="en-US" dirty="0" smtClean="0"/>
+              <a:rPr lang="en-US" dirty="0"/>
               <a:t>Examples</a:t>
             </a:r>
             <a:endParaRPr lang="en-GB" dirty="0"/>
@@ -3877,18 +3864,18 @@
           </a:lstStyle>
           <a:p>
             <a:r>
-              <a:rPr lang="en-US" dirty="0" smtClean="0"/>
+              <a:rPr lang="en-US" dirty="0"/>
               <a:t>Updating plots (e.g. number of bins)</a:t>
             </a:r>
           </a:p>
           <a:p>
             <a:r>
-              <a:rPr lang="en-US" dirty="0" smtClean="0"/>
+              <a:rPr lang="en-US" dirty="0"/>
               <a:t>Only showing relevant survey questions based on earlier responses</a:t>
             </a:r>
           </a:p>
           <a:p>
-            <a:endParaRPr lang="en-US" dirty="0" smtClean="0"/>
+            <a:endParaRPr lang="en-US" dirty="0"/>
           </a:p>
         </p:txBody>
       </p:sp>
@@ -3902,13 +3889,6 @@
   <p:clrMapOvr>
     <a:masterClrMapping/>
   </p:clrMapOvr>
-  <p:timing>
-    <p:tnLst>
-      <p:par>
-        <p:cTn id="1" dur="indefinite" restart="never" nodeType="tmRoot"/>
-      </p:par>
-    </p:tnLst>
-  </p:timing>
 </p:sld>
 </file>
 
@@ -3964,11 +3944,7 @@
           <a:p>
             <a:r>
               <a:rPr lang="en-US" sz="5400" dirty="0"/>
-              <a:t>    </a:t>
-            </a:r>
-            <a:r>
-              <a:rPr lang="en-US" sz="5400" dirty="0" smtClean="0"/>
-              <a:t>How does it Work?</a:t>
+              <a:t>    How does it Work?</a:t>
             </a:r>
             <a:endParaRPr lang="en-GB" sz="5400" dirty="0"/>
           </a:p>
@@ -3993,7 +3969,7 @@
               <a:buNone/>
             </a:pPr>
             <a:r>
-              <a:rPr lang="en-GB" dirty="0" smtClean="0"/>
+              <a:rPr lang="en-GB" dirty="0"/>
               <a:t>1) Get value from user via control widget in UI</a:t>
             </a:r>
           </a:p>
@@ -4030,7 +4006,7 @@
               <a:t>sliderInput</a:t>
             </a:r>
             <a:r>
-              <a:rPr lang="en-GB" sz="2400" b="1" dirty="0" smtClean="0">
+              <a:rPr lang="en-GB" sz="2400" b="1" dirty="0">
                 <a:solidFill>
                   <a:srgbClr val="000080"/>
                 </a:solidFill>
@@ -4050,7 +4026,7 @@
               <a:t>	</a:t>
             </a:r>
             <a:r>
-              <a:rPr lang="en-GB" sz="2400" b="1" dirty="0" err="1" smtClean="0">
+              <a:rPr lang="en-GB" sz="2400" b="1" dirty="0" err="1">
                 <a:solidFill>
                   <a:srgbClr val="000000"/>
                 </a:solidFill>
@@ -4059,7 +4035,7 @@
               <a:t>inputId</a:t>
             </a:r>
             <a:r>
-              <a:rPr lang="en-GB" sz="2400" b="1" dirty="0" smtClean="0">
+              <a:rPr lang="en-GB" sz="2400" b="1" dirty="0">
                 <a:solidFill>
                   <a:srgbClr val="000000"/>
                 </a:solidFill>
@@ -4086,7 +4062,7 @@
               <a:t> </a:t>
             </a:r>
             <a:r>
-              <a:rPr lang="en-GB" sz="2400" b="1" dirty="0" smtClean="0">
+              <a:rPr lang="en-GB" sz="2400" b="1" dirty="0">
                 <a:solidFill>
                   <a:srgbClr val="808080"/>
                 </a:solidFill>
@@ -4095,7 +4071,7 @@
               <a:t>“</a:t>
             </a:r>
             <a:r>
-              <a:rPr lang="en-GB" sz="2400" b="1" dirty="0" err="1" smtClean="0">
+              <a:rPr lang="en-GB" sz="2400" b="1" dirty="0" err="1">
                 <a:solidFill>
                   <a:srgbClr val="808080"/>
                 </a:solidFill>
@@ -4104,7 +4080,7 @@
               <a:t>n_obs</a:t>
             </a:r>
             <a:r>
-              <a:rPr lang="en-GB" sz="2400" b="1" dirty="0" smtClean="0">
+              <a:rPr lang="en-GB" sz="2400" b="1" dirty="0">
                 <a:solidFill>
                   <a:srgbClr val="808080"/>
                 </a:solidFill>
@@ -4113,22 +4089,132 @@
               <a:t>"</a:t>
             </a:r>
             <a:r>
-              <a:rPr lang="en-GB" sz="2400" b="1" dirty="0" smtClean="0">
+              <a:rPr lang="en-GB" sz="2400" b="1" dirty="0">
                 <a:solidFill>
                   <a:srgbClr val="000000"/>
                 </a:solidFill>
                 <a:latin typeface="Courier New" panose="02070309020205020404" pitchFamily="49" charset="0"/>
               </a:rPr>
+              <a:t>, label </a:t>
+            </a:r>
+            <a:r>
+              <a:rPr lang="en-GB" sz="2400" b="1" dirty="0">
+                <a:solidFill>
+                  <a:srgbClr val="000080"/>
+                </a:solidFill>
+                <a:latin typeface="Courier New" panose="02070309020205020404" pitchFamily="49" charset="0"/>
+              </a:rPr>
+              <a:t>=</a:t>
+            </a:r>
+            <a:r>
+              <a:rPr lang="en-GB" sz="2400" b="1" dirty="0">
+                <a:solidFill>
+                  <a:srgbClr val="000000"/>
+                </a:solidFill>
+                <a:latin typeface="Courier New" panose="02070309020205020404" pitchFamily="49" charset="0"/>
+              </a:rPr>
+              <a:t> </a:t>
+            </a:r>
+            <a:r>
+              <a:rPr lang="en-GB" sz="2400" b="1" dirty="0">
+                <a:solidFill>
+                  <a:srgbClr val="808080"/>
+                </a:solidFill>
+                <a:latin typeface="Courier New" panose="02070309020205020404" pitchFamily="49" charset="0"/>
+              </a:rPr>
+              <a:t>"Number of observations:"</a:t>
+            </a:r>
+            <a:r>
+              <a:rPr lang="en-GB" sz="2400" b="1" dirty="0">
+                <a:solidFill>
+                  <a:srgbClr val="000000"/>
+                </a:solidFill>
+                <a:latin typeface="Courier New" panose="02070309020205020404" pitchFamily="49" charset="0"/>
+              </a:rPr>
+              <a:t>,</a:t>
+            </a:r>
+          </a:p>
+          <a:p>
+            <a:r>
+              <a:rPr lang="en-GB" sz="2400" b="1" dirty="0">
+                <a:solidFill>
+                  <a:srgbClr val="000000"/>
+                </a:solidFill>
+                <a:latin typeface="Courier New" panose="02070309020205020404" pitchFamily="49" charset="0"/>
+              </a:rPr>
+              <a:t>	</a:t>
+            </a:r>
+            <a:r>
+              <a:rPr lang="en-GB" sz="2400" b="1" dirty="0">
+                <a:solidFill>
+                  <a:srgbClr val="8000FF"/>
+                </a:solidFill>
+                <a:latin typeface="Courier New" panose="02070309020205020404" pitchFamily="49" charset="0"/>
+              </a:rPr>
+              <a:t>min</a:t>
+            </a:r>
+            <a:r>
+              <a:rPr lang="en-GB" sz="2400" b="1" dirty="0">
+                <a:solidFill>
+                  <a:srgbClr val="000000"/>
+                </a:solidFill>
+                <a:latin typeface="Courier New" panose="02070309020205020404" pitchFamily="49" charset="0"/>
+              </a:rPr>
+              <a:t> </a:t>
+            </a:r>
+            <a:r>
+              <a:rPr lang="en-GB" sz="2400" b="1" dirty="0">
+                <a:solidFill>
+                  <a:srgbClr val="000080"/>
+                </a:solidFill>
+                <a:latin typeface="Courier New" panose="02070309020205020404" pitchFamily="49" charset="0"/>
+              </a:rPr>
+              <a:t>=</a:t>
+            </a:r>
+            <a:r>
+              <a:rPr lang="en-GB" sz="2400" b="1" dirty="0">
+                <a:solidFill>
+                  <a:srgbClr val="000000"/>
+                </a:solidFill>
+                <a:latin typeface="Courier New" panose="02070309020205020404" pitchFamily="49" charset="0"/>
+              </a:rPr>
+              <a:t> </a:t>
+            </a:r>
+            <a:r>
+              <a:rPr lang="en-GB" sz="2400" b="1" dirty="0">
+                <a:solidFill>
+                  <a:srgbClr val="FF8000"/>
+                </a:solidFill>
+                <a:latin typeface="Courier New" panose="02070309020205020404" pitchFamily="49" charset="0"/>
+              </a:rPr>
+              <a:t>1</a:t>
+            </a:r>
+            <a:r>
+              <a:rPr lang="en-GB" sz="2400" b="1" dirty="0">
+                <a:solidFill>
+                  <a:srgbClr val="000000"/>
+                </a:solidFill>
+                <a:latin typeface="Courier New" panose="02070309020205020404" pitchFamily="49" charset="0"/>
+              </a:rPr>
               <a:t>, </a:t>
             </a:r>
             <a:r>
               <a:rPr lang="en-GB" sz="2400" b="1" dirty="0">
                 <a:solidFill>
+                  <a:srgbClr val="8000FF"/>
+                </a:solidFill>
+                <a:latin typeface="Courier New" panose="02070309020205020404" pitchFamily="49" charset="0"/>
+              </a:rPr>
+              <a:t>max</a:t>
+            </a:r>
+            <a:r>
+              <a:rPr lang="en-GB" sz="2400" b="1" dirty="0">
+                <a:solidFill>
                   <a:srgbClr val="000000"/>
                 </a:solidFill>
                 <a:latin typeface="Courier New" panose="02070309020205020404" pitchFamily="49" charset="0"/>
               </a:rPr>
-              <a:t>label </a:t>
+              <a:t> </a:t>
             </a:r>
             <a:r>
               <a:rPr lang="en-GB" sz="2400" b="1" dirty="0">
@@ -4151,189 +4237,52 @@
             <a:r>
               <a:rPr lang="en-GB" sz="2400" b="1" dirty="0">
                 <a:solidFill>
-                  <a:srgbClr val="808080"/>
-                </a:solidFill>
-                <a:latin typeface="Courier New" panose="02070309020205020404" pitchFamily="49" charset="0"/>
-              </a:rPr>
-              <a:t>"Number of </a:t>
-            </a:r>
-            <a:r>
-              <a:rPr lang="en-GB" sz="2400" b="1" dirty="0" smtClean="0">
-                <a:solidFill>
-                  <a:srgbClr val="808080"/>
-                </a:solidFill>
-                <a:latin typeface="Courier New" panose="02070309020205020404" pitchFamily="49" charset="0"/>
-              </a:rPr>
-              <a:t>observations:"</a:t>
-            </a:r>
-            <a:r>
-              <a:rPr lang="en-GB" sz="2400" b="1" dirty="0" smtClean="0">
+                  <a:srgbClr val="FF8000"/>
+                </a:solidFill>
+                <a:latin typeface="Courier New" panose="02070309020205020404" pitchFamily="49" charset="0"/>
+              </a:rPr>
+              <a:t>1000</a:t>
+            </a:r>
+            <a:r>
+              <a:rPr lang="en-GB" sz="2400" b="1" dirty="0">
                 <a:solidFill>
                   <a:srgbClr val="000000"/>
                 </a:solidFill>
                 <a:latin typeface="Courier New" panose="02070309020205020404" pitchFamily="49" charset="0"/>
               </a:rPr>
-              <a:t>,</a:t>
-            </a:r>
-          </a:p>
-          <a:p>
+              <a:t>, value </a:t>
+            </a:r>
             <a:r>
               <a:rPr lang="en-GB" sz="2400" b="1" dirty="0">
                 <a:solidFill>
+                  <a:srgbClr val="000080"/>
+                </a:solidFill>
+                <a:latin typeface="Courier New" panose="02070309020205020404" pitchFamily="49" charset="0"/>
+              </a:rPr>
+              <a:t>=</a:t>
+            </a:r>
+            <a:r>
+              <a:rPr lang="en-GB" sz="2400" b="1" dirty="0">
+                <a:solidFill>
                   <a:srgbClr val="000000"/>
                 </a:solidFill>
                 <a:latin typeface="Courier New" panose="02070309020205020404" pitchFamily="49" charset="0"/>
               </a:rPr>
-              <a:t>	</a:t>
-            </a:r>
-            <a:r>
-              <a:rPr lang="en-GB" sz="2400" b="1" dirty="0" smtClean="0">
-                <a:solidFill>
-                  <a:srgbClr val="8000FF"/>
-                </a:solidFill>
-                <a:latin typeface="Courier New" panose="02070309020205020404" pitchFamily="49" charset="0"/>
-              </a:rPr>
-              <a:t>min</a:t>
-            </a:r>
-            <a:r>
-              <a:rPr lang="en-GB" sz="2400" b="1" dirty="0" smtClean="0">
-                <a:solidFill>
-                  <a:srgbClr val="000000"/>
-                </a:solidFill>
-                <a:latin typeface="Courier New" panose="02070309020205020404" pitchFamily="49" charset="0"/>
-              </a:rPr>
               <a:t> </a:t>
             </a:r>
             <a:r>
               <a:rPr lang="en-GB" sz="2400" b="1" dirty="0">
                 <a:solidFill>
-                  <a:srgbClr val="000080"/>
-                </a:solidFill>
-                <a:latin typeface="Courier New" panose="02070309020205020404" pitchFamily="49" charset="0"/>
-              </a:rPr>
-              <a:t>=</a:t>
-            </a:r>
+                  <a:srgbClr val="FF8000"/>
+                </a:solidFill>
+                <a:latin typeface="Courier New" panose="02070309020205020404" pitchFamily="49" charset="0"/>
+              </a:rPr>
+              <a:t>300</a:t>
+            </a:r>
+          </a:p>
+          <a:p>
             <a:r>
               <a:rPr lang="en-GB" sz="2400" b="1" dirty="0">
-                <a:solidFill>
-                  <a:srgbClr val="000000"/>
-                </a:solidFill>
-                <a:latin typeface="Courier New" panose="02070309020205020404" pitchFamily="49" charset="0"/>
-              </a:rPr>
-              <a:t> </a:t>
-            </a:r>
-            <a:r>
-              <a:rPr lang="en-GB" sz="2400" b="1" dirty="0">
-                <a:solidFill>
-                  <a:srgbClr val="FF8000"/>
-                </a:solidFill>
-                <a:latin typeface="Courier New" panose="02070309020205020404" pitchFamily="49" charset="0"/>
-              </a:rPr>
-              <a:t>1</a:t>
-            </a:r>
-            <a:r>
-              <a:rPr lang="en-GB" sz="2400" b="1" dirty="0">
-                <a:solidFill>
-                  <a:srgbClr val="000000"/>
-                </a:solidFill>
-                <a:latin typeface="Courier New" panose="02070309020205020404" pitchFamily="49" charset="0"/>
-              </a:rPr>
-              <a:t>, </a:t>
-            </a:r>
-            <a:r>
-              <a:rPr lang="en-GB" sz="2400" b="1" dirty="0">
-                <a:solidFill>
-                  <a:srgbClr val="8000FF"/>
-                </a:solidFill>
-                <a:latin typeface="Courier New" panose="02070309020205020404" pitchFamily="49" charset="0"/>
-              </a:rPr>
-              <a:t>max</a:t>
-            </a:r>
-            <a:r>
-              <a:rPr lang="en-GB" sz="2400" b="1" dirty="0">
-                <a:solidFill>
-                  <a:srgbClr val="000000"/>
-                </a:solidFill>
-                <a:latin typeface="Courier New" panose="02070309020205020404" pitchFamily="49" charset="0"/>
-              </a:rPr>
-              <a:t> </a:t>
-            </a:r>
-            <a:r>
-              <a:rPr lang="en-GB" sz="2400" b="1" dirty="0">
-                <a:solidFill>
-                  <a:srgbClr val="000080"/>
-                </a:solidFill>
-                <a:latin typeface="Courier New" panose="02070309020205020404" pitchFamily="49" charset="0"/>
-              </a:rPr>
-              <a:t>=</a:t>
-            </a:r>
-            <a:r>
-              <a:rPr lang="en-GB" sz="2400" b="1" dirty="0">
-                <a:solidFill>
-                  <a:srgbClr val="000000"/>
-                </a:solidFill>
-                <a:latin typeface="Courier New" panose="02070309020205020404" pitchFamily="49" charset="0"/>
-              </a:rPr>
-              <a:t> </a:t>
-            </a:r>
-            <a:r>
-              <a:rPr lang="en-GB" sz="2400" b="1" dirty="0" smtClean="0">
-                <a:solidFill>
-                  <a:srgbClr val="FF8000"/>
-                </a:solidFill>
-                <a:latin typeface="Courier New" panose="02070309020205020404" pitchFamily="49" charset="0"/>
-              </a:rPr>
-              <a:t>1000</a:t>
-            </a:r>
-            <a:r>
-              <a:rPr lang="en-GB" sz="2400" b="1" dirty="0" smtClean="0">
-                <a:solidFill>
-                  <a:srgbClr val="000000"/>
-                </a:solidFill>
-                <a:latin typeface="Courier New" panose="02070309020205020404" pitchFamily="49" charset="0"/>
-              </a:rPr>
-              <a:t>, </a:t>
-            </a:r>
-            <a:r>
-              <a:rPr lang="en-GB" sz="2400" b="1" dirty="0">
-                <a:solidFill>
-                  <a:srgbClr val="000000"/>
-                </a:solidFill>
-                <a:latin typeface="Courier New" panose="02070309020205020404" pitchFamily="49" charset="0"/>
-              </a:rPr>
-              <a:t>value </a:t>
-            </a:r>
-            <a:r>
-              <a:rPr lang="en-GB" sz="2400" b="1" dirty="0">
-                <a:solidFill>
-                  <a:srgbClr val="000080"/>
-                </a:solidFill>
-                <a:latin typeface="Courier New" panose="02070309020205020404" pitchFamily="49" charset="0"/>
-              </a:rPr>
-              <a:t>=</a:t>
-            </a:r>
-            <a:r>
-              <a:rPr lang="en-GB" sz="2400" b="1" dirty="0">
-                <a:solidFill>
-                  <a:srgbClr val="000000"/>
-                </a:solidFill>
-                <a:latin typeface="Courier New" panose="02070309020205020404" pitchFamily="49" charset="0"/>
-              </a:rPr>
-              <a:t> </a:t>
-            </a:r>
-            <a:r>
-              <a:rPr lang="en-GB" sz="2400" b="1" dirty="0" smtClean="0">
-                <a:solidFill>
-                  <a:srgbClr val="FF8000"/>
-                </a:solidFill>
-                <a:latin typeface="Courier New" panose="02070309020205020404" pitchFamily="49" charset="0"/>
-              </a:rPr>
-              <a:t>300</a:t>
-            </a:r>
-          </a:p>
-          <a:p>
-            <a:r>
-              <a:rPr lang="en-GB" sz="2400" b="1" dirty="0" smtClean="0">
                 <a:solidFill>
                   <a:srgbClr val="000080"/>
                 </a:solidFill>
@@ -4387,13 +4336,6 @@
   <p:clrMapOvr>
     <a:masterClrMapping/>
   </p:clrMapOvr>
-  <p:timing>
-    <p:tnLst>
-      <p:par>
-        <p:cTn id="1" dur="indefinite" restart="never" nodeType="tmRoot"/>
-      </p:par>
-    </p:tnLst>
-  </p:timing>
 </p:sld>
 </file>
 
@@ -4449,11 +4391,7 @@
           <a:p>
             <a:r>
               <a:rPr lang="en-US" sz="5400" dirty="0"/>
-              <a:t>    </a:t>
-            </a:r>
-            <a:r>
-              <a:rPr lang="en-US" sz="5400" dirty="0" smtClean="0"/>
-              <a:t>How does it Work?</a:t>
+              <a:t>    How does it Work?</a:t>
             </a:r>
             <a:endParaRPr lang="en-GB" sz="5400" dirty="0"/>
           </a:p>
@@ -4479,11 +4417,7 @@
             </a:pPr>
             <a:r>
               <a:rPr lang="en-GB" dirty="0"/>
-              <a:t>2</a:t>
-            </a:r>
-            <a:r>
-              <a:rPr lang="en-GB" dirty="0" smtClean="0"/>
-              <a:t>) Create output object in server</a:t>
+              <a:t>2) Create output object in server</a:t>
             </a:r>
           </a:p>
         </p:txBody>
@@ -4573,7 +4507,7 @@
               <a:t>renderPlot</a:t>
             </a:r>
             <a:r>
-              <a:rPr lang="en-GB" sz="2400" b="1" dirty="0" smtClean="0">
+              <a:rPr lang="en-GB" sz="2400" b="1" dirty="0">
                 <a:solidFill>
                   <a:srgbClr val="000080"/>
                 </a:solidFill>
@@ -4581,7 +4515,7 @@
               </a:rPr>
               <a:t>({</a:t>
             </a:r>
-            <a:endParaRPr lang="en-GB" sz="2400" b="1" dirty="0" smtClean="0">
+            <a:endParaRPr lang="en-GB" sz="2400" b="1" dirty="0">
               <a:solidFill>
                 <a:srgbClr val="000000"/>
               </a:solidFill>
@@ -4626,7 +4560,7 @@
               <a:t>n_obs</a:t>
             </a:r>
             <a:r>
-              <a:rPr lang="en-GB" sz="2400" b="1" dirty="0" smtClean="0">
+              <a:rPr lang="en-GB" sz="2400" b="1" dirty="0">
                 <a:solidFill>
                   <a:srgbClr val="000000"/>
                 </a:solidFill>
@@ -4635,7 +4569,7 @@
               <a:t> </a:t>
             </a:r>
             <a:r>
-              <a:rPr lang="en-GB" sz="2400" b="1" dirty="0" smtClean="0">
+              <a:rPr lang="en-GB" sz="2400" b="1" dirty="0">
                 <a:solidFill>
                   <a:srgbClr val="804000"/>
                 </a:solidFill>
@@ -4652,54 +4586,36 @@
                 </a:solidFill>
                 <a:latin typeface="Courier New" panose="02070309020205020404" pitchFamily="49" charset="0"/>
               </a:rPr>
-              <a:t>	</a:t>
-            </a:r>
-            <a:r>
-              <a:rPr lang="en-GB" sz="2400" b="1" dirty="0" smtClean="0">
+              <a:t>		</a:t>
+            </a:r>
+            <a:r>
+              <a:rPr lang="en-GB" sz="2400" b="1" dirty="0" err="1">
+                <a:solidFill>
+                  <a:srgbClr val="000000"/>
+                </a:solidFill>
+                <a:latin typeface="Courier New" panose="02070309020205020404" pitchFamily="49" charset="0"/>
+              </a:rPr>
+              <a:t>rnorm</a:t>
+            </a:r>
+            <a:r>
+              <a:rPr lang="en-GB" sz="2400" b="1" dirty="0">
+                <a:solidFill>
+                  <a:srgbClr val="000000"/>
+                </a:solidFill>
+                <a:latin typeface="Courier New" panose="02070309020205020404" pitchFamily="49" charset="0"/>
+              </a:rPr>
+              <a:t>()</a:t>
+            </a:r>
+            <a:r>
+              <a:rPr lang="en-GB" sz="2400" b="1" dirty="0">
                 <a:solidFill>
                   <a:srgbClr val="804000"/>
                 </a:solidFill>
                 <a:latin typeface="Courier New" panose="02070309020205020404" pitchFamily="49" charset="0"/>
               </a:rPr>
-              <a:t>	</a:t>
-            </a:r>
-            <a:r>
-              <a:rPr lang="en-GB" sz="2400" b="1" dirty="0" err="1" smtClean="0">
-                <a:solidFill>
-                  <a:srgbClr val="000000"/>
-                </a:solidFill>
-                <a:latin typeface="Courier New" panose="02070309020205020404" pitchFamily="49" charset="0"/>
-              </a:rPr>
-              <a:t>rnorm</a:t>
-            </a:r>
-            <a:r>
-              <a:rPr lang="en-GB" sz="2400" b="1" dirty="0" smtClean="0">
-                <a:solidFill>
-                  <a:srgbClr val="000000"/>
-                </a:solidFill>
-                <a:latin typeface="Courier New" panose="02070309020205020404" pitchFamily="49" charset="0"/>
-              </a:rPr>
-              <a:t>()</a:t>
-            </a:r>
-            <a:r>
-              <a:rPr lang="en-GB" sz="2400" b="1" dirty="0">
-                <a:solidFill>
-                  <a:srgbClr val="804000"/>
-                </a:solidFill>
-                <a:latin typeface="Courier New" panose="02070309020205020404" pitchFamily="49" charset="0"/>
-              </a:rPr>
-              <a:t> </a:t>
-            </a:r>
-            <a:r>
-              <a:rPr lang="en-GB" sz="2400" b="1" dirty="0" smtClean="0">
-                <a:solidFill>
-                  <a:srgbClr val="804000"/>
-                </a:solidFill>
-                <a:latin typeface="Courier New" panose="02070309020205020404" pitchFamily="49" charset="0"/>
-              </a:rPr>
-              <a:t>%&gt;%</a:t>
-            </a:r>
-            <a:endParaRPr lang="en-GB" sz="2400" b="1" dirty="0" smtClean="0">
+              <a:t> %&gt;%</a:t>
+            </a:r>
+            <a:endParaRPr lang="en-GB" sz="2400" b="1" dirty="0">
               <a:solidFill>
                 <a:srgbClr val="000000"/>
               </a:solidFill>
@@ -4714,52 +4630,88 @@
                 </a:solidFill>
                 <a:latin typeface="Courier New" panose="02070309020205020404" pitchFamily="49" charset="0"/>
               </a:rPr>
-              <a:t>	</a:t>
-            </a:r>
-            <a:r>
-              <a:rPr lang="en-GB" sz="2400" b="1" dirty="0" smtClean="0">
+              <a:t>		</a:t>
+            </a:r>
+            <a:r>
+              <a:rPr lang="en-GB" sz="2400" b="1" dirty="0" err="1">
                 <a:solidFill>
                   <a:srgbClr val="000000"/>
                 </a:solidFill>
                 <a:latin typeface="Courier New" panose="02070309020205020404" pitchFamily="49" charset="0"/>
               </a:rPr>
-              <a:t>	</a:t>
-            </a:r>
-            <a:r>
-              <a:rPr lang="en-GB" sz="2400" b="1" dirty="0" err="1" smtClean="0">
+              <a:t>enframe</a:t>
+            </a:r>
+            <a:r>
+              <a:rPr lang="en-GB" sz="2400" b="1" dirty="0">
+                <a:solidFill>
+                  <a:srgbClr val="000080"/>
+                </a:solidFill>
+                <a:latin typeface="Courier New" panose="02070309020205020404" pitchFamily="49" charset="0"/>
+              </a:rPr>
+              <a:t>(</a:t>
+            </a:r>
+            <a:r>
+              <a:rPr lang="en-GB" sz="2400" b="1" dirty="0">
                 <a:solidFill>
                   <a:srgbClr val="000000"/>
                 </a:solidFill>
                 <a:latin typeface="Courier New" panose="02070309020205020404" pitchFamily="49" charset="0"/>
               </a:rPr>
-              <a:t>enframe</a:t>
-            </a:r>
-            <a:r>
-              <a:rPr lang="en-GB" sz="2400" b="1" dirty="0" smtClean="0">
+              <a:t>value </a:t>
+            </a:r>
+            <a:r>
+              <a:rPr lang="en-GB" sz="2400" b="1" dirty="0">
                 <a:solidFill>
                   <a:srgbClr val="000080"/>
                 </a:solidFill>
                 <a:latin typeface="Courier New" panose="02070309020205020404" pitchFamily="49" charset="0"/>
               </a:rPr>
-              <a:t>(</a:t>
-            </a:r>
-            <a:r>
-              <a:rPr lang="en-GB" sz="2400" b="1" dirty="0" smtClean="0">
+              <a:t>=</a:t>
+            </a:r>
+            <a:r>
+              <a:rPr lang="en-GB" sz="2400" b="1" dirty="0">
                 <a:solidFill>
                   <a:srgbClr val="000000"/>
                 </a:solidFill>
                 <a:latin typeface="Courier New" panose="02070309020205020404" pitchFamily="49" charset="0"/>
               </a:rPr>
-              <a:t>value </a:t>
+              <a:t> </a:t>
             </a:r>
             <a:r>
               <a:rPr lang="en-GB" sz="2400" b="1" dirty="0">
                 <a:solidFill>
+                  <a:srgbClr val="808080"/>
+                </a:solidFill>
+                <a:latin typeface="Courier New" panose="02070309020205020404" pitchFamily="49" charset="0"/>
+              </a:rPr>
+              <a:t>"</a:t>
+            </a:r>
+            <a:r>
+              <a:rPr lang="en-GB" sz="2400" b="1" dirty="0" err="1">
+                <a:solidFill>
+                  <a:srgbClr val="808080"/>
+                </a:solidFill>
+                <a:latin typeface="Courier New" panose="02070309020205020404" pitchFamily="49" charset="0"/>
+              </a:rPr>
+              <a:t>obs_val</a:t>
+            </a:r>
+            <a:r>
+              <a:rPr lang="en-GB" sz="2400" b="1" dirty="0">
+                <a:solidFill>
+                  <a:srgbClr val="808080"/>
+                </a:solidFill>
+                <a:latin typeface="Courier New" panose="02070309020205020404" pitchFamily="49" charset="0"/>
+              </a:rPr>
+              <a:t>"</a:t>
+            </a:r>
+            <a:r>
+              <a:rPr lang="en-GB" sz="2400" b="1" dirty="0">
+                <a:solidFill>
                   <a:srgbClr val="000080"/>
                 </a:solidFill>
                 <a:latin typeface="Courier New" panose="02070309020205020404" pitchFamily="49" charset="0"/>
               </a:rPr>
-              <a:t>=</a:t>
+              <a:t>)</a:t>
             </a:r>
             <a:r>
               <a:rPr lang="en-GB" sz="2400" b="1" dirty="0">
@@ -4773,58 +4725,13 @@
             <a:r>
               <a:rPr lang="en-GB" sz="2400" b="1" dirty="0">
                 <a:solidFill>
-                  <a:srgbClr val="808080"/>
-                </a:solidFill>
-                <a:latin typeface="Courier New" panose="02070309020205020404" pitchFamily="49" charset="0"/>
-              </a:rPr>
-              <a:t>"</a:t>
-            </a:r>
-            <a:r>
-              <a:rPr lang="en-GB" sz="2400" b="1" dirty="0" err="1">
-                <a:solidFill>
-                  <a:srgbClr val="808080"/>
-                </a:solidFill>
-                <a:latin typeface="Courier New" panose="02070309020205020404" pitchFamily="49" charset="0"/>
-              </a:rPr>
-              <a:t>obs_val</a:t>
-            </a:r>
-            <a:r>
-              <a:rPr lang="en-GB" sz="2400" b="1" dirty="0">
-                <a:solidFill>
-                  <a:srgbClr val="808080"/>
-                </a:solidFill>
-                <a:latin typeface="Courier New" panose="02070309020205020404" pitchFamily="49" charset="0"/>
-              </a:rPr>
-              <a:t>"</a:t>
-            </a:r>
-            <a:r>
-              <a:rPr lang="en-GB" sz="2400" b="1" dirty="0">
-                <a:solidFill>
-                  <a:srgbClr val="000080"/>
-                </a:solidFill>
-                <a:latin typeface="Courier New" panose="02070309020205020404" pitchFamily="49" charset="0"/>
-              </a:rPr>
-              <a:t>)</a:t>
-            </a:r>
-            <a:r>
-              <a:rPr lang="en-GB" sz="2400" b="1" dirty="0">
-                <a:solidFill>
-                  <a:srgbClr val="000000"/>
-                </a:solidFill>
-                <a:latin typeface="Courier New" panose="02070309020205020404" pitchFamily="49" charset="0"/>
-              </a:rPr>
-              <a:t> </a:t>
-            </a:r>
-            <a:r>
-              <a:rPr lang="en-GB" sz="2400" b="1" dirty="0" smtClean="0">
-                <a:solidFill>
                   <a:srgbClr val="804000"/>
                 </a:solidFill>
                 <a:latin typeface="Courier New" panose="02070309020205020404" pitchFamily="49" charset="0"/>
               </a:rPr>
               <a:t>%&gt;%</a:t>
             </a:r>
-            <a:endParaRPr lang="en-GB" sz="2400" b="1" dirty="0" smtClean="0">
+            <a:endParaRPr lang="en-GB" sz="2400" b="1" dirty="0">
               <a:solidFill>
                 <a:srgbClr val="000000"/>
               </a:solidFill>
@@ -4839,28 +4746,37 @@
                 </a:solidFill>
                 <a:latin typeface="Courier New" panose="02070309020205020404" pitchFamily="49" charset="0"/>
               </a:rPr>
-              <a:t>	</a:t>
-            </a:r>
-            <a:r>
-              <a:rPr lang="en-GB" sz="2400" b="1" dirty="0" smtClean="0">
+              <a:t>		</a:t>
+            </a:r>
+            <a:r>
+              <a:rPr lang="en-GB" sz="2400" b="1" dirty="0" err="1">
                 <a:solidFill>
                   <a:srgbClr val="000000"/>
                 </a:solidFill>
                 <a:latin typeface="Courier New" panose="02070309020205020404" pitchFamily="49" charset="0"/>
               </a:rPr>
-              <a:t>	</a:t>
-            </a:r>
-            <a:r>
-              <a:rPr lang="en-GB" sz="2400" b="1" dirty="0" err="1" smtClean="0">
+              <a:t>ggplot</a:t>
+            </a:r>
+            <a:r>
+              <a:rPr lang="en-GB" sz="2400" b="1" dirty="0">
+                <a:solidFill>
+                  <a:srgbClr val="000080"/>
+                </a:solidFill>
+                <a:latin typeface="Courier New" panose="02070309020205020404" pitchFamily="49" charset="0"/>
+              </a:rPr>
+              <a:t>(</a:t>
+            </a:r>
+            <a:r>
+              <a:rPr lang="en-GB" sz="2400" b="1" dirty="0" err="1">
                 <a:solidFill>
                   <a:srgbClr val="000000"/>
                 </a:solidFill>
                 <a:latin typeface="Courier New" panose="02070309020205020404" pitchFamily="49" charset="0"/>
               </a:rPr>
-              <a:t>ggplot</a:t>
-            </a:r>
-            <a:r>
-              <a:rPr lang="en-GB" sz="2400" b="1" dirty="0" smtClean="0">
+              <a:t>aes</a:t>
+            </a:r>
+            <a:r>
+              <a:rPr lang="en-GB" sz="2400" b="1" dirty="0">
                 <a:solidFill>
                   <a:srgbClr val="000080"/>
                 </a:solidFill>
@@ -4869,31 +4785,40 @@
               <a:t>(</a:t>
             </a:r>
             <a:r>
-              <a:rPr lang="en-GB" sz="2400" b="1" dirty="0" err="1" smtClean="0">
+              <a:rPr lang="en-GB" sz="2400" b="1" dirty="0">
                 <a:solidFill>
                   <a:srgbClr val="000000"/>
                 </a:solidFill>
                 <a:latin typeface="Courier New" panose="02070309020205020404" pitchFamily="49" charset="0"/>
               </a:rPr>
-              <a:t>aes</a:t>
-            </a:r>
-            <a:r>
-              <a:rPr lang="en-GB" sz="2400" b="1" dirty="0" smtClean="0">
+              <a:t>x </a:t>
+            </a:r>
+            <a:r>
+              <a:rPr lang="en-GB" sz="2400" b="1" dirty="0">
                 <a:solidFill>
                   <a:srgbClr val="000080"/>
                 </a:solidFill>
                 <a:latin typeface="Courier New" panose="02070309020205020404" pitchFamily="49" charset="0"/>
               </a:rPr>
-              <a:t>(</a:t>
-            </a:r>
-            <a:r>
-              <a:rPr lang="en-GB" sz="2400" b="1" dirty="0" smtClean="0">
+              <a:t>=</a:t>
+            </a:r>
+            <a:r>
+              <a:rPr lang="en-GB" sz="2400" b="1" dirty="0">
                 <a:solidFill>
                   <a:srgbClr val="000000"/>
                 </a:solidFill>
                 <a:latin typeface="Courier New" panose="02070309020205020404" pitchFamily="49" charset="0"/>
               </a:rPr>
-              <a:t>x </a:t>
+              <a:t> </a:t>
+            </a:r>
+            <a:r>
+              <a:rPr lang="en-GB" sz="2400" b="1" dirty="0" err="1">
+                <a:solidFill>
+                  <a:srgbClr val="000000"/>
+                </a:solidFill>
+                <a:latin typeface="Courier New" panose="02070309020205020404" pitchFamily="49" charset="0"/>
+              </a:rPr>
+              <a:t>obs_val</a:t>
             </a:r>
             <a:r>
               <a:rPr lang="en-GB" sz="2400" b="1" dirty="0">
@@ -4902,7 +4827,7 @@
                 </a:solidFill>
                 <a:latin typeface="Courier New" panose="02070309020205020404" pitchFamily="49" charset="0"/>
               </a:rPr>
-              <a:t>=</a:t>
+              <a:t>))</a:t>
             </a:r>
             <a:r>
               <a:rPr lang="en-GB" sz="2400" b="1" dirty="0">
@@ -4914,42 +4839,15 @@
               <a:t> </a:t>
             </a:r>
             <a:r>
-              <a:rPr lang="en-GB" sz="2400" b="1" dirty="0" err="1">
-                <a:solidFill>
-                  <a:srgbClr val="000000"/>
-                </a:solidFill>
-                <a:latin typeface="Courier New" panose="02070309020205020404" pitchFamily="49" charset="0"/>
-              </a:rPr>
-              <a:t>obs_val</a:t>
-            </a:r>
-            <a:r>
               <a:rPr lang="en-GB" sz="2400" b="1" dirty="0">
                 <a:solidFill>
                   <a:srgbClr val="000080"/>
                 </a:solidFill>
                 <a:latin typeface="Courier New" panose="02070309020205020404" pitchFamily="49" charset="0"/>
               </a:rPr>
-              <a:t>))</a:t>
-            </a:r>
-            <a:r>
-              <a:rPr lang="en-GB" sz="2400" b="1" dirty="0">
-                <a:solidFill>
-                  <a:srgbClr val="000000"/>
-                </a:solidFill>
-                <a:latin typeface="Courier New" panose="02070309020205020404" pitchFamily="49" charset="0"/>
-              </a:rPr>
-              <a:t> </a:t>
-            </a:r>
-            <a:r>
-              <a:rPr lang="en-GB" sz="2400" b="1" dirty="0" smtClean="0">
-                <a:solidFill>
-                  <a:srgbClr val="000080"/>
-                </a:solidFill>
-                <a:latin typeface="Courier New" panose="02070309020205020404" pitchFamily="49" charset="0"/>
-              </a:rPr>
               <a:t>+</a:t>
             </a:r>
-            <a:endParaRPr lang="en-GB" sz="2400" b="1" dirty="0" smtClean="0">
+            <a:endParaRPr lang="en-GB" sz="2400" b="1" dirty="0">
               <a:solidFill>
                 <a:srgbClr val="000000"/>
               </a:solidFill>
@@ -4964,28 +4862,19 @@
                 </a:solidFill>
                 <a:latin typeface="Courier New" panose="02070309020205020404" pitchFamily="49" charset="0"/>
               </a:rPr>
-              <a:t>	</a:t>
-            </a:r>
-            <a:r>
-              <a:rPr lang="en-GB" sz="2400" b="1" dirty="0" smtClean="0">
+              <a:t>		</a:t>
+            </a:r>
+            <a:r>
+              <a:rPr lang="en-GB" sz="2400" b="1" dirty="0" err="1">
                 <a:solidFill>
                   <a:srgbClr val="000000"/>
                 </a:solidFill>
                 <a:latin typeface="Courier New" panose="02070309020205020404" pitchFamily="49" charset="0"/>
               </a:rPr>
-              <a:t>	</a:t>
-            </a:r>
-            <a:r>
-              <a:rPr lang="en-GB" sz="2400" b="1" dirty="0" err="1" smtClean="0">
-                <a:solidFill>
-                  <a:srgbClr val="000000"/>
-                </a:solidFill>
-                <a:latin typeface="Courier New" panose="02070309020205020404" pitchFamily="49" charset="0"/>
-              </a:rPr>
               <a:t>geom_density</a:t>
             </a:r>
             <a:r>
-              <a:rPr lang="en-GB" sz="2400" b="1" dirty="0" smtClean="0">
+              <a:rPr lang="en-GB" sz="2400" b="1" dirty="0">
                 <a:solidFill>
                   <a:srgbClr val="000080"/>
                 </a:solidFill>
@@ -4993,7 +4882,7 @@
               </a:rPr>
               <a:t>()</a:t>
             </a:r>
-            <a:endParaRPr lang="en-GB" sz="2400" b="1" dirty="0" smtClean="0">
+            <a:endParaRPr lang="en-GB" sz="2400" b="1" dirty="0">
               <a:solidFill>
                 <a:srgbClr val="000000"/>
               </a:solidFill>
@@ -5002,7 +4891,7 @@
           </a:p>
           <a:p>
             <a:r>
-              <a:rPr lang="en-GB" sz="2400" b="1" dirty="0" smtClean="0">
+              <a:rPr lang="en-GB" sz="2400" b="1" dirty="0">
                 <a:solidFill>
                   <a:srgbClr val="000080"/>
                 </a:solidFill>
@@ -5026,13 +4915,6 @@
   <p:clrMapOvr>
     <a:masterClrMapping/>
   </p:clrMapOvr>
-  <p:timing>
-    <p:tnLst>
-      <p:par>
-        <p:cTn id="1" dur="indefinite" restart="never" nodeType="tmRoot"/>
-      </p:par>
-    </p:tnLst>
-  </p:timing>
 </p:sld>
 </file>
 
@@ -5088,11 +4970,7 @@
           <a:p>
             <a:r>
               <a:rPr lang="en-US" sz="5400" dirty="0"/>
-              <a:t>    </a:t>
-            </a:r>
-            <a:r>
-              <a:rPr lang="en-US" sz="5400" dirty="0" smtClean="0"/>
-              <a:t>How does it Work?</a:t>
+              <a:t>    How does it Work?</a:t>
             </a:r>
             <a:endParaRPr lang="en-GB" sz="5400" dirty="0"/>
           </a:p>
@@ -5117,7 +4995,7 @@
               <a:buNone/>
             </a:pPr>
             <a:r>
-              <a:rPr lang="en-GB" dirty="0" smtClean="0"/>
+              <a:rPr lang="en-GB" dirty="0"/>
               <a:t>3) Render in UI</a:t>
             </a:r>
           </a:p>
@@ -5145,7 +5023,7 @@
           <a:lstStyle/>
           <a:p>
             <a:r>
-              <a:rPr lang="en-GB" sz="2400" b="1" dirty="0" err="1" smtClean="0">
+              <a:rPr lang="en-GB" sz="2400" b="1" dirty="0" err="1">
                 <a:solidFill>
                   <a:srgbClr val="000000"/>
                 </a:solidFill>
@@ -5181,7 +5059,7 @@
               <a:t>normal_plot</a:t>
             </a:r>
             <a:r>
-              <a:rPr lang="en-GB" sz="2400" b="1" dirty="0" smtClean="0">
+              <a:rPr lang="en-GB" sz="2400" b="1" dirty="0">
                 <a:solidFill>
                   <a:srgbClr val="808080"/>
                 </a:solidFill>
@@ -5190,7 +5068,7 @@
               <a:t>"</a:t>
             </a:r>
             <a:r>
-              <a:rPr lang="en-GB" sz="2400" b="1" dirty="0" smtClean="0">
+              <a:rPr lang="en-GB" sz="2400" b="1" dirty="0">
                 <a:solidFill>
                   <a:srgbClr val="000080"/>
                 </a:solidFill>
@@ -5244,13 +5122,6 @@
   <p:clrMapOvr>
     <a:masterClrMapping/>
   </p:clrMapOvr>
-  <p:timing>
-    <p:tnLst>
-      <p:par>
-        <p:cTn id="1" dur="indefinite" restart="never" nodeType="tmRoot"/>
-      </p:par>
-    </p:tnLst>
-  </p:timing>
 </p:sld>
 </file>
 
@@ -5306,11 +5177,7 @@
           <a:p>
             <a:r>
               <a:rPr lang="en-US" sz="5400" dirty="0"/>
-              <a:t>    </a:t>
-            </a:r>
-            <a:r>
-              <a:rPr lang="en-US" sz="5400" dirty="0" smtClean="0"/>
-              <a:t>How does it Work?</a:t>
+              <a:t>    How does it Work?</a:t>
             </a:r>
             <a:endParaRPr lang="en-GB" sz="5400" dirty="0"/>
           </a:p>
@@ -5366,10 +5233,9 @@
           <a:lstStyle/>
           <a:p>
             <a:r>
-              <a:rPr lang="en-GB" sz="4000" dirty="0" smtClean="0"/>
+              <a:rPr lang="en-GB" sz="4000" dirty="0"/>
               <a:t>Server</a:t>
             </a:r>
-            <a:endParaRPr lang="en-GB" sz="4000" dirty="0"/>
           </a:p>
         </p:txBody>
       </p:sp>
@@ -5409,7 +5275,7 @@
               <a:t>sliderInput</a:t>
             </a:r>
             <a:r>
-              <a:rPr lang="en-GB" sz="2000" b="1" dirty="0" smtClean="0">
+              <a:rPr lang="en-GB" sz="2000" b="1" dirty="0">
                 <a:solidFill>
                   <a:srgbClr val="3A3A7A"/>
                 </a:solidFill>
@@ -5429,7 +5295,7 @@
               <a:t>	</a:t>
             </a:r>
             <a:r>
-              <a:rPr lang="en-GB" sz="2000" b="1" dirty="0" err="1" smtClean="0">
+              <a:rPr lang="en-GB" sz="2000" b="1" dirty="0" err="1">
                 <a:solidFill>
                   <a:srgbClr val="000000"/>
                 </a:solidFill>
@@ -5438,7 +5304,7 @@
               <a:t>inputId</a:t>
             </a:r>
             <a:r>
-              <a:rPr lang="en-GB" sz="2000" b="1" dirty="0" smtClean="0">
+              <a:rPr lang="en-GB" sz="2000" b="1" dirty="0">
                 <a:solidFill>
                   <a:srgbClr val="000000"/>
                 </a:solidFill>
@@ -5483,7 +5349,7 @@
               <a:t>n_obs</a:t>
             </a:r>
             <a:r>
-              <a:rPr lang="en-GB" sz="2000" b="1" dirty="0" smtClean="0">
+              <a:rPr lang="en-GB" sz="2000" b="1" dirty="0">
                 <a:solidFill>
                   <a:srgbClr val="808080"/>
                 </a:solidFill>
@@ -5492,7 +5358,7 @@
               <a:t>"</a:t>
             </a:r>
             <a:r>
-              <a:rPr lang="en-GB" sz="2000" b="1" dirty="0" smtClean="0">
+              <a:rPr lang="en-GB" sz="2000" b="1" dirty="0">
                 <a:solidFill>
                   <a:srgbClr val="000000"/>
                 </a:solidFill>
@@ -5512,7 +5378,7 @@
               <a:t>	</a:t>
             </a:r>
             <a:r>
-              <a:rPr lang="en-GB" sz="2000" b="1" dirty="0" smtClean="0">
+              <a:rPr lang="en-GB" sz="2000" b="1" dirty="0">
                 <a:latin typeface="Courier New" panose="02070309020205020404" pitchFamily="49" charset="0"/>
               </a:rPr>
               <a:t>...</a:t>
@@ -5520,7 +5386,7 @@
           </a:p>
           <a:p>
             <a:r>
-              <a:rPr lang="en-GB" sz="2000" b="1" dirty="0" smtClean="0">
+              <a:rPr lang="en-GB" sz="2000" b="1" dirty="0">
                 <a:solidFill>
                   <a:srgbClr val="000080"/>
                 </a:solidFill>
@@ -5528,12 +5394,6 @@
               </a:rPr>
               <a:t>)</a:t>
             </a:r>
-            <a:endParaRPr lang="en-GB" sz="2000" b="1" dirty="0">
-              <a:solidFill>
-                <a:srgbClr val="000080"/>
-              </a:solidFill>
-              <a:latin typeface="Courier New" panose="02070309020205020404" pitchFamily="49" charset="0"/>
-            </a:endParaRPr>
           </a:p>
         </p:txBody>
       </p:sp>
@@ -5627,7 +5487,7 @@
               <a:t>renderPlot</a:t>
             </a:r>
             <a:r>
-              <a:rPr lang="en-GB" sz="2000" b="1" dirty="0" smtClean="0">
+              <a:rPr lang="en-GB" sz="2000" b="1" dirty="0">
                 <a:solidFill>
                   <a:srgbClr val="000080"/>
                 </a:solidFill>
@@ -5638,7 +5498,7 @@
           </a:p>
           <a:p>
             <a:r>
-              <a:rPr lang="en-GB" sz="2000" b="1" dirty="0" smtClean="0">
+              <a:rPr lang="en-GB" sz="2000" b="1" dirty="0">
                 <a:solidFill>
                   <a:srgbClr val="000080"/>
                 </a:solidFill>
@@ -5683,7 +5543,7 @@
               <a:t> </a:t>
             </a:r>
             <a:r>
-              <a:rPr lang="en-GB" sz="2000" b="1" dirty="0" smtClean="0">
+              <a:rPr lang="en-GB" sz="2000" b="1" dirty="0">
                 <a:solidFill>
                   <a:srgbClr val="804000"/>
                 </a:solidFill>
@@ -5694,7 +5554,7 @@
           </a:p>
           <a:p>
             <a:r>
-              <a:rPr lang="en-GB" sz="2000" b="1" dirty="0" smtClean="0">
+              <a:rPr lang="en-GB" sz="2000" b="1" dirty="0">
                 <a:solidFill>
                   <a:srgbClr val="804000"/>
                 </a:solidFill>
@@ -5703,12 +5563,12 @@
               <a:t>		</a:t>
             </a:r>
             <a:r>
-              <a:rPr lang="en-GB" sz="2000" b="1" dirty="0" smtClean="0">
+              <a:rPr lang="en-GB" sz="2000" b="1" dirty="0">
                 <a:latin typeface="Courier New" panose="02070309020205020404" pitchFamily="49" charset="0"/>
               </a:rPr>
               <a:t>...</a:t>
             </a:r>
-            <a:endParaRPr lang="en-GB" sz="2000" b="1" dirty="0" smtClean="0">
+            <a:endParaRPr lang="en-GB" sz="2000" b="1" dirty="0">
               <a:solidFill>
                 <a:srgbClr val="804000"/>
               </a:solidFill>
@@ -5717,7 +5577,7 @@
           </a:p>
           <a:p>
             <a:r>
-              <a:rPr lang="en-GB" sz="2000" b="1" dirty="0" smtClean="0">
+              <a:rPr lang="en-GB" sz="2000" b="1" dirty="0">
                 <a:solidFill>
                   <a:srgbClr val="000080"/>
                 </a:solidFill>
@@ -5835,7 +5695,7 @@
               <a:t>normal_plot</a:t>
             </a:r>
             <a:r>
-              <a:rPr lang="en-GB" sz="2000" b="1" dirty="0" smtClean="0">
+              <a:rPr lang="en-GB" sz="2000" b="1" dirty="0">
                 <a:solidFill>
                   <a:srgbClr val="808080"/>
                 </a:solidFill>
@@ -5844,7 +5704,7 @@
               <a:t>"</a:t>
             </a:r>
             <a:r>
-              <a:rPr lang="en-GB" sz="2000" b="1" dirty="0" smtClean="0">
+              <a:rPr lang="en-GB" sz="2000" b="1" dirty="0">
                 <a:solidFill>
                   <a:srgbClr val="000080"/>
                 </a:solidFill>
@@ -5903,13 +5763,6 @@
   <p:clrMapOvr>
     <a:masterClrMapping/>
   </p:clrMapOvr>
-  <p:timing>
-    <p:tnLst>
-      <p:par>
-        <p:cTn id="1" dur="indefinite" restart="never" nodeType="tmRoot"/>
-      </p:par>
-    </p:tnLst>
-  </p:timing>
 </p:sld>
 </file>
 
@@ -5965,11 +5818,7 @@
           <a:p>
             <a:r>
               <a:rPr lang="en-US" sz="5400" dirty="0"/>
-              <a:t>    </a:t>
-            </a:r>
-            <a:r>
-              <a:rPr lang="en-US" sz="5400" dirty="0" smtClean="0"/>
-              <a:t>Output Functions</a:t>
+              <a:t>    Render &amp; Output Functions</a:t>
             </a:r>
             <a:endParaRPr lang="en-GB" sz="5400" dirty="0"/>
           </a:p>
@@ -5999,7 +5848,7 @@
               <a:buNone/>
             </a:pPr>
             <a:r>
-              <a:rPr lang="en-GB" dirty="0" smtClean="0"/>
+              <a:rPr lang="en-GB" dirty="0"/>
               <a:t>Different reactive output functions exist for different kinds of object.</a:t>
             </a:r>
           </a:p>
@@ -6008,7 +5857,7 @@
               <a:buNone/>
             </a:pPr>
             <a:r>
-              <a:rPr lang="en-GB" dirty="0" smtClean="0"/>
+              <a:rPr lang="en-GB" dirty="0"/>
               <a:t>These tell UI what to do with the data it receives from server.</a:t>
             </a:r>
           </a:p>
@@ -6024,16 +5873,16 @@
         </p:nvSpPr>
         <p:spPr>
           <a:xfrm>
-            <a:off x="838200" y="3925018"/>
-            <a:ext cx="10515600" cy="1759789"/>
+            <a:off x="6096000" y="3429000"/>
+            <a:ext cx="5257800" cy="2764410"/>
           </a:xfrm>
           <a:prstGeom prst="rect">
             <a:avLst/>
           </a:prstGeom>
         </p:spPr>
         <p:txBody>
-          <a:bodyPr vert="horz" lIns="91440" tIns="45720" rIns="91440" bIns="45720" numCol="2" rtlCol="0">
-            <a:normAutofit/>
+          <a:bodyPr vert="horz" lIns="91440" tIns="45720" rIns="91440" bIns="45720" numCol="1" rtlCol="0">
+            <a:normAutofit fontScale="92500" lnSpcReduction="10000"/>
           </a:bodyPr>
           <a:lstStyle>
             <a:lvl1pPr marL="228600" indent="-228600" algn="l" defTabSz="914400" rtl="0" eaLnBrk="1" latinLnBrk="0" hangingPunct="1">
@@ -6201,14 +6050,14 @@
           </a:lstStyle>
           <a:p>
             <a:r>
-              <a:rPr lang="en-GB" b="1" dirty="0" err="1" smtClean="0">
+              <a:rPr lang="en-GB" b="1" dirty="0" err="1">
                 <a:latin typeface="Courier New" panose="02070309020205020404" pitchFamily="49" charset="0"/>
                 <a:cs typeface="Courier New" panose="02070309020205020404" pitchFamily="49" charset="0"/>
               </a:rPr>
               <a:t>plotOutput</a:t>
             </a:r>
             <a:r>
-              <a:rPr lang="en-GB" b="1" dirty="0" smtClean="0">
+              <a:rPr lang="en-GB" b="1" dirty="0">
                 <a:solidFill>
                   <a:srgbClr val="3A3A7A"/>
                 </a:solidFill>
@@ -6220,14 +6069,14 @@
           </a:p>
           <a:p>
             <a:r>
-              <a:rPr lang="en-GB" b="1" dirty="0" err="1" smtClean="0">
+              <a:rPr lang="en-GB" b="1" dirty="0" err="1">
                 <a:latin typeface="Courier New" panose="02070309020205020404" pitchFamily="49" charset="0"/>
                 <a:cs typeface="Courier New" panose="02070309020205020404" pitchFamily="49" charset="0"/>
               </a:rPr>
               <a:t>dataTableOutput</a:t>
             </a:r>
             <a:r>
-              <a:rPr lang="en-GB" b="1" dirty="0" smtClean="0">
+              <a:rPr lang="en-GB" b="1" dirty="0">
                 <a:solidFill>
                   <a:srgbClr val="3A3A7A"/>
                 </a:solidFill>
@@ -6239,14 +6088,14 @@
           </a:p>
           <a:p>
             <a:r>
-              <a:rPr lang="en-GB" b="1" dirty="0" err="1" smtClean="0">
+              <a:rPr lang="en-GB" b="1" dirty="0" err="1">
                 <a:latin typeface="Courier New" panose="02070309020205020404" pitchFamily="49" charset="0"/>
                 <a:cs typeface="Courier New" panose="02070309020205020404" pitchFamily="49" charset="0"/>
               </a:rPr>
               <a:t>imageOutput</a:t>
             </a:r>
             <a:r>
-              <a:rPr lang="en-GB" b="1" dirty="0" smtClean="0">
+              <a:rPr lang="en-GB" b="1" dirty="0">
                 <a:solidFill>
                   <a:srgbClr val="3A3A7A"/>
                 </a:solidFill>
@@ -6258,14 +6107,14 @@
           </a:p>
           <a:p>
             <a:r>
-              <a:rPr lang="en-GB" b="1" dirty="0" err="1" smtClean="0">
+              <a:rPr lang="en-GB" b="1" dirty="0" err="1">
                 <a:latin typeface="Courier New" panose="02070309020205020404" pitchFamily="49" charset="0"/>
                 <a:cs typeface="Courier New" panose="02070309020205020404" pitchFamily="49" charset="0"/>
               </a:rPr>
               <a:t>textOutput</a:t>
             </a:r>
             <a:r>
-              <a:rPr lang="en-GB" b="1" dirty="0" smtClean="0">
+              <a:rPr lang="en-GB" b="1" dirty="0">
                 <a:solidFill>
                   <a:srgbClr val="3A3A7A"/>
                 </a:solidFill>
@@ -6277,14 +6126,14 @@
           </a:p>
           <a:p>
             <a:r>
-              <a:rPr lang="en-GB" b="1" dirty="0" err="1" smtClean="0">
+              <a:rPr lang="en-GB" b="1" dirty="0" err="1">
                 <a:latin typeface="Courier New" panose="02070309020205020404" pitchFamily="49" charset="0"/>
                 <a:cs typeface="Courier New" panose="02070309020205020404" pitchFamily="49" charset="0"/>
               </a:rPr>
               <a:t>htmlOutput</a:t>
             </a:r>
             <a:r>
-              <a:rPr lang="en-GB" b="1" dirty="0" smtClean="0">
+              <a:rPr lang="en-GB" b="1" dirty="0">
                 <a:solidFill>
                   <a:srgbClr val="3A3A7A"/>
                 </a:solidFill>
@@ -6296,14 +6145,321 @@
           </a:p>
           <a:p>
             <a:r>
-              <a:rPr lang="en-GB" b="1" dirty="0" err="1" smtClean="0">
+              <a:rPr lang="en-GB" b="1" dirty="0" err="1">
                 <a:latin typeface="Courier New" panose="02070309020205020404" pitchFamily="49" charset="0"/>
                 <a:cs typeface="Courier New" panose="02070309020205020404" pitchFamily="49" charset="0"/>
               </a:rPr>
               <a:t>uiOutput</a:t>
             </a:r>
             <a:r>
-              <a:rPr lang="en-GB" b="1" dirty="0" smtClean="0">
+              <a:rPr lang="en-GB" b="1" dirty="0">
+                <a:solidFill>
+                  <a:srgbClr val="3A3A7A"/>
+                </a:solidFill>
+                <a:latin typeface="Courier New" panose="02070309020205020404" pitchFamily="49" charset="0"/>
+                <a:cs typeface="Courier New" panose="02070309020205020404" pitchFamily="49" charset="0"/>
+              </a:rPr>
+              <a:t>()</a:t>
+            </a:r>
+          </a:p>
+        </p:txBody>
+      </p:sp>
+      <p:sp>
+        <p:nvSpPr>
+          <p:cNvPr id="7" name="Content Placeholder 5">
+            <a:extLst>
+              <a:ext uri="{FF2B5EF4-FFF2-40B4-BE49-F238E27FC236}">
+                <a16:creationId xmlns:a16="http://schemas.microsoft.com/office/drawing/2014/main" id="{872BBFDF-7421-44AF-B9E8-CAC865E0B98B}"/>
+              </a:ext>
+            </a:extLst>
+          </p:cNvPr>
+          <p:cNvSpPr txBox="1">
+            <a:spLocks/>
+          </p:cNvSpPr>
+          <p:nvPr/>
+        </p:nvSpPr>
+        <p:spPr>
+          <a:xfrm>
+            <a:off x="838200" y="3429000"/>
+            <a:ext cx="5257800" cy="2764410"/>
+          </a:xfrm>
+          <a:prstGeom prst="rect">
+            <a:avLst/>
+          </a:prstGeom>
+        </p:spPr>
+        <p:txBody>
+          <a:bodyPr vert="horz" lIns="91440" tIns="45720" rIns="91440" bIns="45720" numCol="1" rtlCol="0">
+            <a:normAutofit fontScale="92500" lnSpcReduction="10000"/>
+          </a:bodyPr>
+          <a:lstStyle>
+            <a:lvl1pPr marL="228600" indent="-228600" algn="l" defTabSz="914400" rtl="0" eaLnBrk="1" latinLnBrk="0" hangingPunct="1">
+              <a:lnSpc>
+                <a:spcPct val="90000"/>
+              </a:lnSpc>
+              <a:spcBef>
+                <a:spcPts val="1000"/>
+              </a:spcBef>
+              <a:buFont typeface="Arial" panose="020B0604020202020204" pitchFamily="34" charset="0"/>
+              <a:buChar char="•"/>
+              <a:defRPr sz="2800" kern="1200">
+                <a:solidFill>
+                  <a:schemeClr val="tx1"/>
+                </a:solidFill>
+                <a:latin typeface="+mn-lt"/>
+                <a:ea typeface="+mn-ea"/>
+                <a:cs typeface="+mn-cs"/>
+              </a:defRPr>
+            </a:lvl1pPr>
+            <a:lvl2pPr marL="685800" indent="-228600" algn="l" defTabSz="914400" rtl="0" eaLnBrk="1" latinLnBrk="0" hangingPunct="1">
+              <a:lnSpc>
+                <a:spcPct val="90000"/>
+              </a:lnSpc>
+              <a:spcBef>
+                <a:spcPts val="500"/>
+              </a:spcBef>
+              <a:buFont typeface="Arial" panose="020B0604020202020204" pitchFamily="34" charset="0"/>
+              <a:buChar char="•"/>
+              <a:defRPr sz="2400" kern="1200">
+                <a:solidFill>
+                  <a:schemeClr val="tx1"/>
+                </a:solidFill>
+                <a:latin typeface="+mn-lt"/>
+                <a:ea typeface="+mn-ea"/>
+                <a:cs typeface="+mn-cs"/>
+              </a:defRPr>
+            </a:lvl2pPr>
+            <a:lvl3pPr marL="1143000" indent="-228600" algn="l" defTabSz="914400" rtl="0" eaLnBrk="1" latinLnBrk="0" hangingPunct="1">
+              <a:lnSpc>
+                <a:spcPct val="90000"/>
+              </a:lnSpc>
+              <a:spcBef>
+                <a:spcPts val="500"/>
+              </a:spcBef>
+              <a:buFont typeface="Arial" panose="020B0604020202020204" pitchFamily="34" charset="0"/>
+              <a:buChar char="•"/>
+              <a:defRPr sz="2000" kern="1200">
+                <a:solidFill>
+                  <a:schemeClr val="tx1"/>
+                </a:solidFill>
+                <a:latin typeface="+mn-lt"/>
+                <a:ea typeface="+mn-ea"/>
+                <a:cs typeface="+mn-cs"/>
+              </a:defRPr>
+            </a:lvl3pPr>
+            <a:lvl4pPr marL="1600200" indent="-228600" algn="l" defTabSz="914400" rtl="0" eaLnBrk="1" latinLnBrk="0" hangingPunct="1">
+              <a:lnSpc>
+                <a:spcPct val="90000"/>
+              </a:lnSpc>
+              <a:spcBef>
+                <a:spcPts val="500"/>
+              </a:spcBef>
+              <a:buFont typeface="Arial" panose="020B0604020202020204" pitchFamily="34" charset="0"/>
+              <a:buChar char="•"/>
+              <a:defRPr sz="1800" kern="1200">
+                <a:solidFill>
+                  <a:schemeClr val="tx1"/>
+                </a:solidFill>
+                <a:latin typeface="+mn-lt"/>
+                <a:ea typeface="+mn-ea"/>
+                <a:cs typeface="+mn-cs"/>
+              </a:defRPr>
+            </a:lvl4pPr>
+            <a:lvl5pPr marL="2057400" indent="-228600" algn="l" defTabSz="914400" rtl="0" eaLnBrk="1" latinLnBrk="0" hangingPunct="1">
+              <a:lnSpc>
+                <a:spcPct val="90000"/>
+              </a:lnSpc>
+              <a:spcBef>
+                <a:spcPts val="500"/>
+              </a:spcBef>
+              <a:buFont typeface="Arial" panose="020B0604020202020204" pitchFamily="34" charset="0"/>
+              <a:buChar char="•"/>
+              <a:defRPr sz="1800" kern="1200">
+                <a:solidFill>
+                  <a:schemeClr val="tx1"/>
+                </a:solidFill>
+                <a:latin typeface="+mn-lt"/>
+                <a:ea typeface="+mn-ea"/>
+                <a:cs typeface="+mn-cs"/>
+              </a:defRPr>
+            </a:lvl5pPr>
+            <a:lvl6pPr marL="2514600" indent="-228600" algn="l" defTabSz="914400" rtl="0" eaLnBrk="1" latinLnBrk="0" hangingPunct="1">
+              <a:lnSpc>
+                <a:spcPct val="90000"/>
+              </a:lnSpc>
+              <a:spcBef>
+                <a:spcPts val="500"/>
+              </a:spcBef>
+              <a:buFont typeface="Arial" panose="020B0604020202020204" pitchFamily="34" charset="0"/>
+              <a:buChar char="•"/>
+              <a:defRPr sz="1800" kern="1200">
+                <a:solidFill>
+                  <a:schemeClr val="tx1"/>
+                </a:solidFill>
+                <a:latin typeface="+mn-lt"/>
+                <a:ea typeface="+mn-ea"/>
+                <a:cs typeface="+mn-cs"/>
+              </a:defRPr>
+            </a:lvl6pPr>
+            <a:lvl7pPr marL="2971800" indent="-228600" algn="l" defTabSz="914400" rtl="0" eaLnBrk="1" latinLnBrk="0" hangingPunct="1">
+              <a:lnSpc>
+                <a:spcPct val="90000"/>
+              </a:lnSpc>
+              <a:spcBef>
+                <a:spcPts val="500"/>
+              </a:spcBef>
+              <a:buFont typeface="Arial" panose="020B0604020202020204" pitchFamily="34" charset="0"/>
+              <a:buChar char="•"/>
+              <a:defRPr sz="1800" kern="1200">
+                <a:solidFill>
+                  <a:schemeClr val="tx1"/>
+                </a:solidFill>
+                <a:latin typeface="+mn-lt"/>
+                <a:ea typeface="+mn-ea"/>
+                <a:cs typeface="+mn-cs"/>
+              </a:defRPr>
+            </a:lvl7pPr>
+            <a:lvl8pPr marL="3429000" indent="-228600" algn="l" defTabSz="914400" rtl="0" eaLnBrk="1" latinLnBrk="0" hangingPunct="1">
+              <a:lnSpc>
+                <a:spcPct val="90000"/>
+              </a:lnSpc>
+              <a:spcBef>
+                <a:spcPts val="500"/>
+              </a:spcBef>
+              <a:buFont typeface="Arial" panose="020B0604020202020204" pitchFamily="34" charset="0"/>
+              <a:buChar char="•"/>
+              <a:defRPr sz="1800" kern="1200">
+                <a:solidFill>
+                  <a:schemeClr val="tx1"/>
+                </a:solidFill>
+                <a:latin typeface="+mn-lt"/>
+                <a:ea typeface="+mn-ea"/>
+                <a:cs typeface="+mn-cs"/>
+              </a:defRPr>
+            </a:lvl8pPr>
+            <a:lvl9pPr marL="3886200" indent="-228600" algn="l" defTabSz="914400" rtl="0" eaLnBrk="1" latinLnBrk="0" hangingPunct="1">
+              <a:lnSpc>
+                <a:spcPct val="90000"/>
+              </a:lnSpc>
+              <a:spcBef>
+                <a:spcPts val="500"/>
+              </a:spcBef>
+              <a:buFont typeface="Arial" panose="020B0604020202020204" pitchFamily="34" charset="0"/>
+              <a:buChar char="•"/>
+              <a:defRPr sz="1800" kern="1200">
+                <a:solidFill>
+                  <a:schemeClr val="tx1"/>
+                </a:solidFill>
+                <a:latin typeface="+mn-lt"/>
+                <a:ea typeface="+mn-ea"/>
+                <a:cs typeface="+mn-cs"/>
+              </a:defRPr>
+            </a:lvl9pPr>
+          </a:lstStyle>
+          <a:p>
+            <a:r>
+              <a:rPr lang="en-GB" b="1" dirty="0" err="1">
+                <a:latin typeface="Courier New" panose="02070309020205020404" pitchFamily="49" charset="0"/>
+                <a:cs typeface="Courier New" panose="02070309020205020404" pitchFamily="49" charset="0"/>
+              </a:rPr>
+              <a:t>renderPlot</a:t>
+            </a:r>
+            <a:r>
+              <a:rPr lang="en-GB" b="1" dirty="0">
+                <a:solidFill>
+                  <a:srgbClr val="3A3A7A"/>
+                </a:solidFill>
+                <a:latin typeface="Courier New" panose="02070309020205020404" pitchFamily="49" charset="0"/>
+                <a:cs typeface="Courier New" panose="02070309020205020404" pitchFamily="49" charset="0"/>
+              </a:rPr>
+              <a:t>()</a:t>
+            </a:r>
+          </a:p>
+          <a:p>
+            <a:r>
+              <a:rPr lang="en-GB" b="1" dirty="0" err="1">
+                <a:latin typeface="Courier New" panose="02070309020205020404" pitchFamily="49" charset="0"/>
+                <a:cs typeface="Courier New" panose="02070309020205020404" pitchFamily="49" charset="0"/>
+              </a:rPr>
+              <a:t>renderDataTable</a:t>
+            </a:r>
+            <a:r>
+              <a:rPr lang="en-GB" b="1" dirty="0">
+                <a:solidFill>
+                  <a:srgbClr val="3A3A7A"/>
+                </a:solidFill>
+                <a:latin typeface="Courier New" panose="02070309020205020404" pitchFamily="49" charset="0"/>
+                <a:cs typeface="Courier New" panose="02070309020205020404" pitchFamily="49" charset="0"/>
+              </a:rPr>
+              <a:t>()</a:t>
+            </a:r>
+          </a:p>
+          <a:p>
+            <a:r>
+              <a:rPr lang="en-GB" b="1" dirty="0" err="1">
+                <a:latin typeface="Courier New" panose="02070309020205020404" pitchFamily="49" charset="0"/>
+                <a:cs typeface="Courier New" panose="02070309020205020404" pitchFamily="49" charset="0"/>
+              </a:rPr>
+              <a:t>renderImage</a:t>
+            </a:r>
+            <a:r>
+              <a:rPr lang="en-GB" b="1" dirty="0">
+                <a:solidFill>
+                  <a:srgbClr val="3A3A7A"/>
+                </a:solidFill>
+                <a:latin typeface="Courier New" panose="02070309020205020404" pitchFamily="49" charset="0"/>
+                <a:cs typeface="Courier New" panose="02070309020205020404" pitchFamily="49" charset="0"/>
+              </a:rPr>
+              <a:t>()</a:t>
+            </a:r>
+          </a:p>
+          <a:p>
+            <a:r>
+              <a:rPr lang="en-GB" b="1" dirty="0" err="1">
+                <a:latin typeface="Courier New" panose="02070309020205020404" pitchFamily="49" charset="0"/>
+                <a:cs typeface="Courier New" panose="02070309020205020404" pitchFamily="49" charset="0"/>
+              </a:rPr>
+              <a:t>renderText</a:t>
+            </a:r>
+            <a:r>
+              <a:rPr lang="en-GB" b="1" dirty="0">
+                <a:solidFill>
+                  <a:srgbClr val="3A3A7A"/>
+                </a:solidFill>
+                <a:latin typeface="Courier New" panose="02070309020205020404" pitchFamily="49" charset="0"/>
+                <a:cs typeface="Courier New" panose="02070309020205020404" pitchFamily="49" charset="0"/>
+              </a:rPr>
+              <a:t>()</a:t>
+            </a:r>
+          </a:p>
+          <a:p>
+            <a:r>
+              <a:rPr lang="en-GB" b="1" dirty="0" err="1">
+                <a:latin typeface="Courier New" panose="02070309020205020404" pitchFamily="49" charset="0"/>
+                <a:cs typeface="Courier New" panose="02070309020205020404" pitchFamily="49" charset="0"/>
+              </a:rPr>
+              <a:t>renderUI</a:t>
+            </a:r>
+            <a:r>
+              <a:rPr lang="en-GB" b="1" dirty="0">
+                <a:solidFill>
+                  <a:srgbClr val="3A3A7A"/>
+                </a:solidFill>
+                <a:latin typeface="Courier New" panose="02070309020205020404" pitchFamily="49" charset="0"/>
+                <a:cs typeface="Courier New" panose="02070309020205020404" pitchFamily="49" charset="0"/>
+              </a:rPr>
+              <a:t>()</a:t>
+            </a:r>
+          </a:p>
+          <a:p>
+            <a:r>
+              <a:rPr lang="en-GB" b="1" dirty="0" err="1">
+                <a:latin typeface="Courier New" panose="02070309020205020404" pitchFamily="49" charset="0"/>
+                <a:cs typeface="Courier New" panose="02070309020205020404" pitchFamily="49" charset="0"/>
+              </a:rPr>
+              <a:t>renderUI</a:t>
+            </a:r>
+            <a:r>
+              <a:rPr lang="en-GB" b="1" dirty="0">
                 <a:solidFill>
                   <a:srgbClr val="3A3A7A"/>
                 </a:solidFill>
@@ -6325,13 +6481,6 @@
   <p:clrMapOvr>
     <a:masterClrMapping/>
   </p:clrMapOvr>
-  <p:timing>
-    <p:tnLst>
-      <p:par>
-        <p:cTn id="1" dur="indefinite" restart="never" nodeType="tmRoot"/>
-      </p:par>
-    </p:tnLst>
-  </p:timing>
 </p:sld>
 </file>
 
@@ -6386,11 +6535,11 @@
           <a:lstStyle/>
           <a:p>
             <a:r>
-              <a:rPr lang="en-US" sz="5400" dirty="0" smtClean="0"/>
+              <a:rPr lang="en-US" sz="5400" dirty="0"/>
               <a:t>    </a:t>
             </a:r>
             <a:r>
-              <a:rPr lang="en-US" sz="5400" dirty="0" err="1" smtClean="0"/>
+              <a:rPr lang="en-US" sz="5400" dirty="0" err="1"/>
               <a:t>shinydashboard</a:t>
             </a:r>
             <a:endParaRPr lang="en-GB" sz="5400" dirty="0"/>
@@ -6421,7 +6570,7 @@
               <a:buNone/>
             </a:pPr>
             <a:r>
-              <a:rPr lang="en-GB" dirty="0" smtClean="0"/>
+              <a:rPr lang="en-GB" dirty="0"/>
               <a:t>Professional-looking UIs with minimal code.</a:t>
             </a:r>
           </a:p>
@@ -6549,13 +6698,6 @@
   <p:clrMapOvr>
     <a:masterClrMapping/>
   </p:clrMapOvr>
-  <p:timing>
-    <p:tnLst>
-      <p:par>
-        <p:cTn id="1" dur="indefinite" restart="never" nodeType="tmRoot"/>
-      </p:par>
-    </p:tnLst>
-  </p:timing>
 </p:sld>
 </file>
 
@@ -6610,7 +6752,7 @@
           <a:lstStyle/>
           <a:p>
             <a:r>
-              <a:rPr lang="en-US" sz="5400" dirty="0" smtClean="0"/>
+              <a:rPr lang="en-US" sz="5400" dirty="0"/>
               <a:t>    Visual Angle</a:t>
             </a:r>
             <a:endParaRPr lang="en-GB" sz="5400" dirty="0"/>
@@ -6643,7 +6785,7 @@
               <a:buNone/>
             </a:pPr>
             <a:r>
-              <a:rPr lang="en-GB" dirty="0" smtClean="0"/>
+              <a:rPr lang="en-GB" dirty="0"/>
               <a:t>Visual angle ~ Size / Distance</a:t>
             </a:r>
           </a:p>
@@ -6652,7 +6794,7 @@
               <a:buNone/>
             </a:pPr>
             <a:r>
-              <a:rPr lang="en-GB" dirty="0" smtClean="0"/>
+              <a:rPr lang="en-GB" dirty="0"/>
               <a:t>Size of stimulus subtended (via pupil) on retina</a:t>
             </a:r>
           </a:p>
@@ -7185,7 +7327,7 @@
                   <a:rPr lang="el-GR" sz="4000" b="1" dirty="0"/>
                   <a:t>θ</a:t>
                 </a:r>
-                <a:endParaRPr lang="en-GB" sz="4000" b="1" dirty="0" smtClean="0"/>
+                <a:endParaRPr lang="en-GB" sz="4000" b="1" dirty="0"/>
               </a:p>
             </p:txBody>
           </p:sp>
@@ -7454,7 +7596,7 @@
                 <a:buNone/>
               </a:pPr>
               <a:r>
-                <a:rPr lang="en-GB" sz="4000" b="1" dirty="0" smtClean="0"/>
+                <a:rPr lang="en-GB" sz="4000" b="1" dirty="0"/>
                 <a:t>distance</a:t>
               </a:r>
             </a:p>
@@ -7650,7 +7792,7 @@
                 <a:buNone/>
               </a:pPr>
               <a:r>
-                <a:rPr lang="en-GB" sz="4000" b="1" dirty="0" smtClean="0"/>
+                <a:rPr lang="en-GB" sz="4000" b="1" dirty="0"/>
                 <a:t>size</a:t>
               </a:r>
             </a:p>
@@ -7667,13 +7809,6 @@
   <p:clrMapOvr>
     <a:masterClrMapping/>
   </p:clrMapOvr>
-  <p:timing>
-    <p:tnLst>
-      <p:par>
-        <p:cTn id="1" dur="indefinite" restart="never" nodeType="tmRoot"/>
-      </p:par>
-    </p:tnLst>
-  </p:timing>
 </p:sld>
 </file>
 
